--- a/day2/child_process_and_cluster_module/child_process_and_cluster_module.pptx
+++ b/day2/child_process_and_cluster_module/child_process_and_cluster_module.pptx
@@ -131,7 +131,7 @@
   </p:defaultTextStyle>
   <p:extLst>
     <p:ext uri="{EFAFB233-063F-42B5-8137-9DF3F51BA10A}">
-      <p15:sldGuideLst xmlns:p15="http://schemas.microsoft.com/office/powerpoint/2012/main" xmlns="">
+      <p15:sldGuideLst xmlns="" xmlns:p15="http://schemas.microsoft.com/office/powerpoint/2012/main">
         <p15:guide id="1" orient="horz" pos="2160">
           <p15:clr>
             <a:srgbClr val="A4A3A4"/>
@@ -230,7 +230,7 @@
           <a:p>
             <a:fld id="{1E64356D-F091-4486-B0BB-66BE03FC5D73}" type="datetimeFigureOut">
               <a:rPr lang="en-US" smtClean="0"/>
-              <a:t>4/12/2018</a:t>
+              <a:t>4/15/2018</a:t>
             </a:fld>
             <a:endParaRPr lang="en-US"/>
           </a:p>
@@ -1376,7 +1376,7 @@
             <a:fld id="{1D8BD707-D9CF-40AE-B4C6-C98DA3205C09}" type="datetimeFigureOut">
               <a:rPr lang="en-US" smtClean="0"/>
               <a:pPr/>
-              <a:t>4/12/2018</a:t>
+              <a:t>4/15/2018</a:t>
             </a:fld>
             <a:endParaRPr lang="en-US"/>
           </a:p>
@@ -1629,7 +1629,7 @@
             <a:fld id="{1D8BD707-D9CF-40AE-B4C6-C98DA3205C09}" type="datetimeFigureOut">
               <a:rPr lang="en-US" smtClean="0"/>
               <a:pPr/>
-              <a:t>4/12/2018</a:t>
+              <a:t>4/15/2018</a:t>
             </a:fld>
             <a:endParaRPr lang="en-US"/>
           </a:p>
@@ -1945,7 +1945,7 @@
             <a:fld id="{1D8BD707-D9CF-40AE-B4C6-C98DA3205C09}" type="datetimeFigureOut">
               <a:rPr lang="en-US" smtClean="0"/>
               <a:pPr/>
-              <a:t>4/12/2018</a:t>
+              <a:t>4/15/2018</a:t>
             </a:fld>
             <a:endParaRPr lang="en-US"/>
           </a:p>
@@ -2280,7 +2280,7 @@
             <a:fld id="{1D8BD707-D9CF-40AE-B4C6-C98DA3205C09}" type="datetimeFigureOut">
               <a:rPr lang="en-US" smtClean="0"/>
               <a:pPr/>
-              <a:t>4/12/2018</a:t>
+              <a:t>4/15/2018</a:t>
             </a:fld>
             <a:endParaRPr lang="en-US"/>
           </a:p>
@@ -2596,7 +2596,7 @@
             <a:fld id="{1D8BD707-D9CF-40AE-B4C6-C98DA3205C09}" type="datetimeFigureOut">
               <a:rPr lang="en-US" smtClean="0"/>
               <a:pPr/>
-              <a:t>4/12/2018</a:t>
+              <a:t>4/15/2018</a:t>
             </a:fld>
             <a:endParaRPr lang="en-US"/>
           </a:p>
@@ -2991,7 +2991,7 @@
             <a:fld id="{1D8BD707-D9CF-40AE-B4C6-C98DA3205C09}" type="datetimeFigureOut">
               <a:rPr lang="en-US" smtClean="0"/>
               <a:pPr/>
-              <a:t>4/12/2018</a:t>
+              <a:t>4/15/2018</a:t>
             </a:fld>
             <a:endParaRPr lang="en-US"/>
           </a:p>
@@ -3163,7 +3163,7 @@
             <a:fld id="{1D8BD707-D9CF-40AE-B4C6-C98DA3205C09}" type="datetimeFigureOut">
               <a:rPr lang="en-US" smtClean="0"/>
               <a:pPr/>
-              <a:t>4/12/2018</a:t>
+              <a:t>4/15/2018</a:t>
             </a:fld>
             <a:endParaRPr lang="en-US"/>
           </a:p>
@@ -3345,7 +3345,7 @@
             <a:fld id="{1D8BD707-D9CF-40AE-B4C6-C98DA3205C09}" type="datetimeFigureOut">
               <a:rPr lang="en-US" smtClean="0"/>
               <a:pPr/>
-              <a:t>4/12/2018</a:t>
+              <a:t>4/15/2018</a:t>
             </a:fld>
             <a:endParaRPr lang="en-US"/>
           </a:p>
@@ -3517,7 +3517,7 @@
             <a:fld id="{1D8BD707-D9CF-40AE-B4C6-C98DA3205C09}" type="datetimeFigureOut">
               <a:rPr lang="en-US" smtClean="0"/>
               <a:pPr/>
-              <a:t>4/12/2018</a:t>
+              <a:t>4/15/2018</a:t>
             </a:fld>
             <a:endParaRPr lang="en-US"/>
           </a:p>
@@ -3766,7 +3766,7 @@
             <a:fld id="{1D8BD707-D9CF-40AE-B4C6-C98DA3205C09}" type="datetimeFigureOut">
               <a:rPr lang="en-US" smtClean="0"/>
               <a:pPr/>
-              <a:t>4/12/2018</a:t>
+              <a:t>4/15/2018</a:t>
             </a:fld>
             <a:endParaRPr lang="en-US"/>
           </a:p>
@@ -4065,7 +4065,7 @@
             <a:fld id="{1D8BD707-D9CF-40AE-B4C6-C98DA3205C09}" type="datetimeFigureOut">
               <a:rPr lang="en-US" smtClean="0"/>
               <a:pPr/>
-              <a:t>4/12/2018</a:t>
+              <a:t>4/15/2018</a:t>
             </a:fld>
             <a:endParaRPr lang="en-US"/>
           </a:p>
@@ -4446,7 +4446,7 @@
             <a:fld id="{1D8BD707-D9CF-40AE-B4C6-C98DA3205C09}" type="datetimeFigureOut">
               <a:rPr lang="en-US" smtClean="0"/>
               <a:pPr/>
-              <a:t>4/12/2018</a:t>
+              <a:t>4/15/2018</a:t>
             </a:fld>
             <a:endParaRPr lang="en-US"/>
           </a:p>
@@ -4571,7 +4571,7 @@
             <a:fld id="{1D8BD707-D9CF-40AE-B4C6-C98DA3205C09}" type="datetimeFigureOut">
               <a:rPr lang="en-US" smtClean="0"/>
               <a:pPr/>
-              <a:t>4/12/2018</a:t>
+              <a:t>4/15/2018</a:t>
             </a:fld>
             <a:endParaRPr lang="en-US"/>
           </a:p>
@@ -4668,7 +4668,7 @@
             <a:fld id="{1D8BD707-D9CF-40AE-B4C6-C98DA3205C09}" type="datetimeFigureOut">
               <a:rPr lang="en-US" smtClean="0"/>
               <a:pPr/>
-              <a:t>4/12/2018</a:t>
+              <a:t>4/15/2018</a:t>
             </a:fld>
             <a:endParaRPr lang="en-US"/>
           </a:p>
@@ -4925,7 +4925,7 @@
             <a:fld id="{1D8BD707-D9CF-40AE-B4C6-C98DA3205C09}" type="datetimeFigureOut">
               <a:rPr lang="en-US" smtClean="0"/>
               <a:pPr/>
-              <a:t>4/12/2018</a:t>
+              <a:t>4/15/2018</a:t>
             </a:fld>
             <a:endParaRPr lang="en-US"/>
           </a:p>
@@ -5190,7 +5190,7 @@
             <a:fld id="{1D8BD707-D9CF-40AE-B4C6-C98DA3205C09}" type="datetimeFigureOut">
               <a:rPr lang="en-US" smtClean="0"/>
               <a:pPr/>
-              <a:t>4/12/2018</a:t>
+              <a:t>4/15/2018</a:t>
             </a:fld>
             <a:endParaRPr lang="en-US"/>
           </a:p>
@@ -6006,7 +6006,7 @@
             <a:fld id="{1D8BD707-D9CF-40AE-B4C6-C98DA3205C09}" type="datetimeFigureOut">
               <a:rPr lang="en-US" smtClean="0"/>
               <a:pPr/>
-              <a:t>4/12/2018</a:t>
+              <a:t>4/15/2018</a:t>
             </a:fld>
             <a:endParaRPr lang="en-US"/>
           </a:p>
@@ -6554,11 +6554,7 @@
             <a:pPr algn="l"/>
             <a:r>
               <a:rPr lang="en-US" dirty="0" smtClean="0"/>
-              <a:t>Child Process And The </a:t>
-            </a:r>
-            <a:r>
-              <a:rPr lang="en-US" dirty="0" smtClean="0"/>
-              <a:t>Cluster Module</a:t>
+              <a:t>Child Process And The Cluster Module</a:t>
             </a:r>
             <a:endParaRPr lang="en-US" dirty="0"/>
           </a:p>
@@ -8867,7 +8863,15 @@
           <a:p>
             <a:r>
               <a:rPr lang="en-US" dirty="0" smtClean="0"/>
-              <a:t>Enables us to access operating system functionality by running system commands in a child process</a:t>
+              <a:t>Enables </a:t>
+            </a:r>
+            <a:r>
+              <a:rPr lang="en-US" dirty="0" smtClean="0"/>
+              <a:t>to </a:t>
+            </a:r>
+            <a:r>
+              <a:rPr lang="en-US" dirty="0" smtClean="0"/>
+              <a:t>access operating system functionality by running system commands in a child process</a:t>
             </a:r>
           </a:p>
           <a:p>
@@ -8879,7 +8883,15 @@
           <a:p>
             <a:r>
               <a:rPr lang="en-US" dirty="0" smtClean="0"/>
-              <a:t>Listen to the process output stream</a:t>
+              <a:t>Listen to the </a:t>
+            </a:r>
+            <a:r>
+              <a:rPr lang="en-US" dirty="0" smtClean="0"/>
+              <a:t>child process’s </a:t>
+            </a:r>
+            <a:r>
+              <a:rPr lang="en-US" dirty="0" smtClean="0"/>
+              <a:t>output stream</a:t>
             </a:r>
           </a:p>
           <a:p>
@@ -9810,7 +9822,7 @@
   <a:extraClrSchemeLst/>
   <a:extLst>
     <a:ext uri="{05A4C25C-085E-4340-85A3-A5531E510DB2}">
-      <thm15:themeFamily xmlns:thm15="http://schemas.microsoft.com/office/thememl/2012/main" xmlns="" name="Facet" id="{C0C680CD-088A-49FC-A102-D699147F32B2}" vid="{CFBC31BA-B70F-4F30-BCAA-4F3011E16C4D}"/>
+      <thm15:themeFamily xmlns="" xmlns:thm15="http://schemas.microsoft.com/office/thememl/2012/main" name="Facet" id="{C0C680CD-088A-49FC-A102-D699147F32B2}" vid="{CFBC31BA-B70F-4F30-BCAA-4F3011E16C4D}"/>
     </a:ext>
   </a:extLst>
 </a:theme>
